--- a/m6-3-audio-bd/презентация.pptx
+++ b/m6-3-audio-bd/презентация.pptx
@@ -5,30 +5,29 @@
     <p:sldMasterId id="2147483670" r:id="rId1"/>
   </p:sldMasterIdLst>
   <p:notesMasterIdLst>
-    <p:notesMasterId r:id="rId8"/>
+    <p:notesMasterId r:id="rId7"/>
   </p:notesMasterIdLst>
   <p:sldIdLst>
     <p:sldId id="256" r:id="rId2"/>
-    <p:sldId id="277" r:id="rId3"/>
-    <p:sldId id="278" r:id="rId4"/>
-    <p:sldId id="280" r:id="rId5"/>
-    <p:sldId id="279" r:id="rId6"/>
-    <p:sldId id="267" r:id="rId7"/>
+    <p:sldId id="278" r:id="rId3"/>
+    <p:sldId id="281" r:id="rId4"/>
+    <p:sldId id="282" r:id="rId5"/>
+    <p:sldId id="267" r:id="rId6"/>
   </p:sldIdLst>
   <p:sldSz cx="12192000" cy="6858000"/>
   <p:notesSz cx="6858000" cy="9144000"/>
   <p:embeddedFontLst>
     <p:embeddedFont>
       <p:font typeface="Calibri" panose="020F0502020204030204" pitchFamily="34" charset="0"/>
-      <p:regular r:id="rId9"/>
-      <p:bold r:id="rId10"/>
-      <p:italic r:id="rId11"/>
-      <p:boldItalic r:id="rId12"/>
+      <p:regular r:id="rId8"/>
+      <p:bold r:id="rId9"/>
+      <p:italic r:id="rId10"/>
+      <p:boldItalic r:id="rId11"/>
     </p:embeddedFont>
     <p:embeddedFont>
       <p:font typeface="Gill Sans" panose="020B0604020202020204" charset="0"/>
-      <p:regular r:id="rId13"/>
-      <p:bold r:id="rId14"/>
+      <p:regular r:id="rId12"/>
+      <p:bold r:id="rId13"/>
     </p:embeddedFont>
   </p:embeddedFontLst>
   <p:defaultTextStyle>
@@ -1850,7 +1849,7 @@
     </p:spTree>
     <p:extLst>
       <p:ext uri="{BB962C8B-B14F-4D97-AF65-F5344CB8AC3E}">
-        <p14:creationId xmlns:p14="http://schemas.microsoft.com/office/powerpoint/2010/main" val="1672955290"/>
+        <p14:creationId xmlns:p14="http://schemas.microsoft.com/office/powerpoint/2010/main" val="1544202702"/>
       </p:ext>
     </p:extLst>
   </p:cSld>
@@ -2005,7 +2004,7 @@
     </p:spTree>
     <p:extLst>
       <p:ext uri="{BB962C8B-B14F-4D97-AF65-F5344CB8AC3E}">
-        <p14:creationId xmlns:p14="http://schemas.microsoft.com/office/powerpoint/2010/main" val="1544202702"/>
+        <p14:creationId xmlns:p14="http://schemas.microsoft.com/office/powerpoint/2010/main" val="2458693138"/>
       </p:ext>
     </p:extLst>
   </p:cSld>
@@ -2160,7 +2159,7 @@
     </p:spTree>
     <p:extLst>
       <p:ext uri="{BB962C8B-B14F-4D97-AF65-F5344CB8AC3E}">
-        <p14:creationId xmlns:p14="http://schemas.microsoft.com/office/powerpoint/2010/main" val="3998531378"/>
+        <p14:creationId xmlns:p14="http://schemas.microsoft.com/office/powerpoint/2010/main" val="3612403493"/>
       </p:ext>
     </p:extLst>
   </p:cSld>
@@ -2171,161 +2170,6 @@
 </file>
 
 <file path=ppt/notesSlides/notesSlide5.xml><?xml version="1.0" encoding="utf-8"?>
-<p:notes xmlns:a="http://schemas.openxmlformats.org/drawingml/2006/main" xmlns:r="http://schemas.openxmlformats.org/officeDocument/2006/relationships" xmlns:p="http://schemas.openxmlformats.org/presentationml/2006/main" showMasterSp="0" showMasterPhAnim="0">
-  <p:cSld>
-    <p:spTree>
-      <p:nvGrpSpPr>
-        <p:cNvPr id="1" name="Shape 309"/>
-        <p:cNvGrpSpPr/>
-        <p:nvPr/>
-      </p:nvGrpSpPr>
-      <p:grpSpPr>
-        <a:xfrm>
-          <a:off x="0" y="0"/>
-          <a:ext cx="0" cy="0"/>
-          <a:chOff x="0" y="0"/>
-          <a:chExt cx="0" cy="0"/>
-        </a:xfrm>
-      </p:grpSpPr>
-      <p:sp>
-        <p:nvSpPr>
-          <p:cNvPr id="310" name="Google Shape;310;g2a86d392fdb_0_37:notes"/>
-          <p:cNvSpPr>
-            <a:spLocks noGrp="1" noRot="1" noChangeAspect="1"/>
-          </p:cNvSpPr>
-          <p:nvPr>
-            <p:ph type="sldImg" idx="2"/>
-          </p:nvPr>
-        </p:nvSpPr>
-        <p:spPr>
-          <a:xfrm>
-            <a:off x="381000" y="685800"/>
-            <a:ext cx="6096000" cy="3429000"/>
-          </a:xfrm>
-          <a:custGeom>
-            <a:avLst/>
-            <a:gdLst/>
-            <a:ahLst/>
-            <a:cxnLst/>
-            <a:rect l="l" t="t" r="r" b="b"/>
-            <a:pathLst>
-              <a:path w="120000" h="120000" extrusionOk="0">
-                <a:moveTo>
-                  <a:pt x="0" y="0"/>
-                </a:moveTo>
-                <a:lnTo>
-                  <a:pt x="120000" y="0"/>
-                </a:lnTo>
-                <a:lnTo>
-                  <a:pt x="120000" y="120000"/>
-                </a:lnTo>
-                <a:lnTo>
-                  <a:pt x="0" y="120000"/>
-                </a:lnTo>
-                <a:close/>
-              </a:path>
-            </a:pathLst>
-          </a:custGeom>
-        </p:spPr>
-      </p:sp>
-      <p:sp>
-        <p:nvSpPr>
-          <p:cNvPr id="311" name="Google Shape;311;g2a86d392fdb_0_37:notes"/>
-          <p:cNvSpPr txBox="1">
-            <a:spLocks noGrp="1"/>
-          </p:cNvSpPr>
-          <p:nvPr>
-            <p:ph type="body" idx="1"/>
-          </p:nvPr>
-        </p:nvSpPr>
-        <p:spPr>
-          <a:xfrm>
-            <a:off x="685800" y="4343400"/>
-            <a:ext cx="5486400" cy="4114800"/>
-          </a:xfrm>
-          <a:prstGeom prst="rect">
-            <a:avLst/>
-          </a:prstGeom>
-        </p:spPr>
-        <p:txBody>
-          <a:bodyPr spcFirstLastPara="1" wrap="square" lIns="91425" tIns="45700" rIns="91425" bIns="45700" anchor="t" anchorCtr="0">
-            <a:noAutofit/>
-          </a:bodyPr>
-          <a:lstStyle/>
-          <a:p>
-            <a:pPr marL="0" lvl="0" indent="0" algn="l" rtl="0">
-              <a:spcBef>
-                <a:spcPts val="0"/>
-              </a:spcBef>
-              <a:spcAft>
-                <a:spcPts val="0"/>
-              </a:spcAft>
-              <a:buNone/>
-            </a:pPr>
-            <a:endParaRPr/>
-          </a:p>
-        </p:txBody>
-      </p:sp>
-      <p:sp>
-        <p:nvSpPr>
-          <p:cNvPr id="312" name="Google Shape;312;g2a86d392fdb_0_37:notes"/>
-          <p:cNvSpPr txBox="1">
-            <a:spLocks noGrp="1"/>
-          </p:cNvSpPr>
-          <p:nvPr>
-            <p:ph type="sldNum" idx="12"/>
-          </p:nvPr>
-        </p:nvSpPr>
-        <p:spPr>
-          <a:xfrm>
-            <a:off x="3884613" y="8685213"/>
-            <a:ext cx="2971800" cy="457200"/>
-          </a:xfrm>
-          <a:prstGeom prst="rect">
-            <a:avLst/>
-          </a:prstGeom>
-        </p:spPr>
-        <p:txBody>
-          <a:bodyPr spcFirstLastPara="1" wrap="square" lIns="91425" tIns="45700" rIns="91425" bIns="45700" anchor="b" anchorCtr="0">
-            <a:noAutofit/>
-          </a:bodyPr>
-          <a:lstStyle/>
-          <a:p>
-            <a:pPr marL="0" lvl="0" indent="0" algn="r" rtl="0">
-              <a:spcBef>
-                <a:spcPts val="0"/>
-              </a:spcBef>
-              <a:spcAft>
-                <a:spcPts val="0"/>
-              </a:spcAft>
-              <a:buClr>
-                <a:srgbClr val="000000"/>
-              </a:buClr>
-              <a:buFont typeface="Arial"/>
-              <a:buNone/>
-            </a:pPr>
-            <a:fld id="{00000000-1234-1234-1234-123412341234}" type="slidenum">
-              <a:rPr lang="en-US"/>
-              <a:t>5</a:t>
-            </a:fld>
-            <a:endParaRPr/>
-          </a:p>
-        </p:txBody>
-      </p:sp>
-    </p:spTree>
-    <p:extLst>
-      <p:ext uri="{BB962C8B-B14F-4D97-AF65-F5344CB8AC3E}">
-        <p14:creationId xmlns:p14="http://schemas.microsoft.com/office/powerpoint/2010/main" val="2822194438"/>
-      </p:ext>
-    </p:extLst>
-  </p:cSld>
-  <p:clrMapOvr>
-    <a:masterClrMapping/>
-  </p:clrMapOvr>
-</p:notes>
-</file>
-
-<file path=ppt/notesSlides/notesSlide6.xml><?xml version="1.0" encoding="utf-8"?>
 <p:notes xmlns:a="http://schemas.openxmlformats.org/drawingml/2006/main" xmlns:r="http://schemas.openxmlformats.org/officeDocument/2006/relationships" xmlns:p="http://schemas.openxmlformats.org/presentationml/2006/main" showMasterSp="0" showMasterPhAnim="0">
   <p:cSld>
     <p:spTree>
@@ -2475,7 +2319,7 @@
             </a:pPr>
             <a:fld id="{00000000-1234-1234-1234-123412341234}" type="slidenum">
               <a:rPr lang="en-US"/>
-              <a:t>6</a:t>
+              <a:t>5</a:t>
             </a:fld>
             <a:endParaRPr/>
           </a:p>
@@ -28576,7 +28420,7 @@
         </p:nvSpPr>
         <p:spPr>
           <a:xfrm>
-            <a:off x="2324146" y="1902787"/>
+            <a:off x="2452162" y="2378275"/>
             <a:ext cx="7543708" cy="2387700"/>
           </a:xfrm>
           <a:prstGeom prst="rect">
@@ -28589,7 +28433,7 @@
         </p:spPr>
         <p:txBody>
           <a:bodyPr spcFirstLastPara="1" wrap="square" lIns="91425" tIns="45700" rIns="91425" bIns="45700" anchor="b" anchorCtr="0">
-            <a:normAutofit/>
+            <a:normAutofit fontScale="90000"/>
           </a:bodyPr>
           <a:lstStyle/>
           <a:p>
@@ -28600,11 +28444,30 @@
             </a:r>
             <a:r>
               <a:rPr lang="ru-RU" dirty="0"/>
-              <a:t>.2 Отладка кода. </a:t>
+              <a:t>.</a:t>
+            </a:r>
+            <a:r>
+              <a:rPr lang="en-US" dirty="0"/>
+              <a:t>3</a:t>
             </a:r>
             <a:r>
               <a:rPr lang="ru-RU"/>
-              <a:t>Работа с БД</a:t>
+              <a:t> Воспроизведение </a:t>
+            </a:r>
+            <a:r>
+              <a:rPr lang="ru-RU" dirty="0"/>
+              <a:t>аудио</a:t>
+            </a:r>
+            <a:br>
+              <a:rPr lang="en-US" dirty="0"/>
+            </a:br>
+            <a:r>
+              <a:rPr lang="ru-RU" dirty="0"/>
+              <a:t>Работа с </a:t>
+            </a:r>
+            <a:r>
+              <a:rPr lang="en-US" dirty="0"/>
+              <a:t>ORM</a:t>
             </a:r>
             <a:endParaRPr dirty="0"/>
           </a:p>
@@ -28680,70 +28543,6 @@
               <a:t>”</a:t>
             </a:r>
             <a:endParaRPr dirty="0"/>
-          </a:p>
-        </p:txBody>
-      </p:sp>
-      <p:sp>
-        <p:nvSpPr>
-          <p:cNvPr id="4" name="Прямоугольник 3">
-            <a:extLst>
-              <a:ext uri="{FF2B5EF4-FFF2-40B4-BE49-F238E27FC236}">
-                <a16:creationId xmlns:a16="http://schemas.microsoft.com/office/drawing/2014/main" id="{48F99FD8-7E19-4ABA-BC12-ED1445F36652}"/>
-              </a:ext>
-            </a:extLst>
-          </p:cNvPr>
-          <p:cNvSpPr/>
-          <p:nvPr/>
-        </p:nvSpPr>
-        <p:spPr>
-          <a:xfrm>
-            <a:off x="242016" y="165382"/>
-            <a:ext cx="6096000" cy="1015663"/>
-          </a:xfrm>
-          <a:prstGeom prst="rect">
-            <a:avLst/>
-          </a:prstGeom>
-        </p:spPr>
-        <p:txBody>
-          <a:bodyPr>
-            <a:spAutoFit/>
-          </a:bodyPr>
-          <a:lstStyle/>
-          <a:p>
-            <a:pPr lvl="0"/>
-            <a:r>
-              <a:rPr lang="ru-RU" sz="2000" dirty="0">
-                <a:solidFill>
-                  <a:srgbClr val="FFFF00"/>
-                </a:solidFill>
-                <a:latin typeface="+mn-lt"/>
-              </a:rPr>
-              <a:t>Информатика — мысли в код облекает!</a:t>
-            </a:r>
-          </a:p>
-          <a:p>
-            <a:pPr lvl="0"/>
-            <a:r>
-              <a:rPr lang="ru-RU" sz="2000" dirty="0">
-                <a:solidFill>
-                  <a:srgbClr val="FFFF00"/>
-                </a:solidFill>
-                <a:latin typeface="+mn-lt"/>
-              </a:rPr>
-              <a:t>программирование — логику оттачивает,</a:t>
-            </a:r>
-          </a:p>
-          <a:p>
-            <a:pPr lvl="0"/>
-            <a:r>
-              <a:rPr lang="ru-RU" sz="2000" dirty="0">
-                <a:solidFill>
-                  <a:srgbClr val="FFFF00"/>
-                </a:solidFill>
-                <a:latin typeface="+mn-lt"/>
-              </a:rPr>
-              <a:t>И мир автоматизирует!</a:t>
-            </a:r>
           </a:p>
         </p:txBody>
       </p:sp>
@@ -28790,8 +28589,8 @@
         </p:nvSpPr>
         <p:spPr>
           <a:xfrm>
-            <a:off x="986743" y="118872"/>
-            <a:ext cx="1088946" cy="1132235"/>
+            <a:off x="803862" y="118872"/>
+            <a:ext cx="1381553" cy="1132235"/>
           </a:xfrm>
         </p:spPr>
         <p:txBody>
@@ -28800,6 +28599,14 @@
           </a:bodyPr>
           <a:lstStyle/>
           <a:p>
+            <a:r>
+              <a:rPr lang="en-US" dirty="0">
+                <a:solidFill>
+                  <a:srgbClr val="0070C0"/>
+                </a:solidFill>
+              </a:rPr>
+              <a:t>ORM</a:t>
+            </a:r>
             <a:endParaRPr lang="ru-RU" dirty="0">
               <a:solidFill>
                 <a:srgbClr val="0070C0"/>
@@ -29098,10 +28905,10 @@
       </p:sp>
       <p:pic>
         <p:nvPicPr>
-          <p:cNvPr id="1026" name="Picture 2" descr="Профилирование и отладка Python, отладка / Хабр">
+          <p:cNvPr id="1026" name="Picture 2" descr="Picture background">
             <a:extLst>
               <a:ext uri="{FF2B5EF4-FFF2-40B4-BE49-F238E27FC236}">
-                <a16:creationId xmlns:a16="http://schemas.microsoft.com/office/drawing/2014/main" id="{68642E1B-E9CF-4C26-A1E0-16B35DABFB12}"/>
+                <a16:creationId xmlns:a16="http://schemas.microsoft.com/office/drawing/2014/main" id="{9419D95E-2A47-409C-A030-71B61A6E9572}"/>
               </a:ext>
             </a:extLst>
           </p:cNvPr>
@@ -29110,7 +28917,7 @@
           </p:cNvPicPr>
           <p:nvPr/>
         </p:nvPicPr>
-        <p:blipFill>
+        <p:blipFill rotWithShape="1">
           <a:blip r:embed="rId3">
             <a:extLst>
               <a:ext uri="{28A0092B-C50C-407E-A947-70E740481C1C}">
@@ -29118,15 +28925,13 @@
               </a:ext>
             </a:extLst>
           </a:blip>
-          <a:srcRect/>
-          <a:stretch>
-            <a:fillRect/>
-          </a:stretch>
+          <a:srcRect l="18220" t="28666" r="26682" b="7867"/>
+          <a:stretch/>
         </p:blipFill>
         <p:spPr bwMode="auto">
           <a:xfrm>
-            <a:off x="2628311" y="930406"/>
-            <a:ext cx="6703882" cy="4819944"/>
+            <a:off x="3374136" y="386287"/>
+            <a:ext cx="6839712" cy="6085426"/>
           </a:xfrm>
           <a:prstGeom prst="rect">
             <a:avLst/>
@@ -29146,7 +28951,7 @@
     </p:spTree>
     <p:extLst>
       <p:ext uri="{BB962C8B-B14F-4D97-AF65-F5344CB8AC3E}">
-        <p14:creationId xmlns:p14="http://schemas.microsoft.com/office/powerpoint/2010/main" val="791743456"/>
+        <p14:creationId xmlns:p14="http://schemas.microsoft.com/office/powerpoint/2010/main" val="3551400319"/>
       </p:ext>
     </p:extLst>
   </p:cSld>
@@ -29191,8 +28996,8 @@
         </p:nvSpPr>
         <p:spPr>
           <a:xfrm>
-            <a:off x="986743" y="118872"/>
-            <a:ext cx="1088946" cy="1132235"/>
+            <a:off x="803862" y="118872"/>
+            <a:ext cx="1381553" cy="1132235"/>
           </a:xfrm>
         </p:spPr>
         <p:txBody>
@@ -29202,12 +29007,12 @@
           <a:lstStyle/>
           <a:p>
             <a:r>
-              <a:rPr lang="ru-RU" dirty="0" err="1">
+              <a:rPr lang="en-US" dirty="0">
                 <a:solidFill>
                   <a:srgbClr val="0070C0"/>
                 </a:solidFill>
               </a:rPr>
-              <a:t>бд</a:t>
+              <a:t>ORM</a:t>
             </a:r>
             <a:endParaRPr lang="ru-RU" dirty="0">
               <a:solidFill>
@@ -29507,17 +29312,19 @@
       </p:sp>
       <p:pic>
         <p:nvPicPr>
-          <p:cNvPr id="5" name="Рисунок 4" descr="https://proproprogs.ru/htm/modules/files/chto-takoe-subd-i-relyacionnye-bd.files/image004.png">
+          <p:cNvPr id="2050" name="Picture 2" descr="Picture background">
             <a:extLst>
               <a:ext uri="{FF2B5EF4-FFF2-40B4-BE49-F238E27FC236}">
-                <a16:creationId xmlns:a16="http://schemas.microsoft.com/office/drawing/2014/main" id="{37F2951F-5DF1-4DD8-BD83-5705983EB3E1}"/>
+                <a16:creationId xmlns:a16="http://schemas.microsoft.com/office/drawing/2014/main" id="{7A82B716-7952-410F-80D6-CC2380CD20DD}"/>
               </a:ext>
             </a:extLst>
           </p:cNvPr>
-          <p:cNvPicPr/>
+          <p:cNvPicPr>
+            <a:picLocks noChangeAspect="1" noChangeArrowheads="1"/>
+          </p:cNvPicPr>
           <p:nvPr/>
         </p:nvPicPr>
-        <p:blipFill>
+        <p:blipFill rotWithShape="1">
           <a:blip r:embed="rId3">
             <a:extLst>
               <a:ext uri="{28A0092B-C50C-407E-A947-70E740481C1C}">
@@ -29525,29 +29332,33 @@
               </a:ext>
             </a:extLst>
           </a:blip>
-          <a:srcRect/>
-          <a:stretch>
-            <a:fillRect/>
-          </a:stretch>
+          <a:srcRect l="5951" r="8321" b="18227"/>
+          <a:stretch/>
         </p:blipFill>
         <p:spPr bwMode="auto">
           <a:xfrm>
-            <a:off x="1531216" y="1494692"/>
-            <a:ext cx="9108831" cy="3868615"/>
+            <a:off x="2437899" y="1109091"/>
+            <a:ext cx="8950239" cy="4797933"/>
           </a:xfrm>
           <a:prstGeom prst="rect">
             <a:avLst/>
           </a:prstGeom>
           <a:noFill/>
-          <a:ln>
-            <a:noFill/>
-          </a:ln>
+          <a:extLst>
+            <a:ext uri="{909E8E84-426E-40DD-AFC4-6F175D3DCCD1}">
+              <a14:hiddenFill xmlns:a14="http://schemas.microsoft.com/office/drawing/2010/main">
+                <a:solidFill>
+                  <a:srgbClr val="FFFFFF"/>
+                </a:solidFill>
+              </a14:hiddenFill>
+            </a:ext>
+          </a:extLst>
         </p:spPr>
       </p:pic>
     </p:spTree>
     <p:extLst>
       <p:ext uri="{BB962C8B-B14F-4D97-AF65-F5344CB8AC3E}">
-        <p14:creationId xmlns:p14="http://schemas.microsoft.com/office/powerpoint/2010/main" val="3551400319"/>
+        <p14:creationId xmlns:p14="http://schemas.microsoft.com/office/powerpoint/2010/main" val="422036498"/>
       </p:ext>
     </p:extLst>
   </p:cSld>
@@ -29592,8 +29403,8 @@
         </p:nvSpPr>
         <p:spPr>
           <a:xfrm>
-            <a:off x="986743" y="118872"/>
-            <a:ext cx="1088946" cy="1132235"/>
+            <a:off x="803862" y="118872"/>
+            <a:ext cx="1381553" cy="1132235"/>
           </a:xfrm>
         </p:spPr>
         <p:txBody>
@@ -29603,12 +29414,12 @@
           <a:lstStyle/>
           <a:p>
             <a:r>
-              <a:rPr lang="ru-RU" dirty="0" err="1">
+              <a:rPr lang="en-US" dirty="0">
                 <a:solidFill>
                   <a:srgbClr val="0070C0"/>
                 </a:solidFill>
               </a:rPr>
-              <a:t>бд</a:t>
+              <a:t>ORM</a:t>
             </a:r>
             <a:endParaRPr lang="ru-RU" dirty="0">
               <a:solidFill>
@@ -29898,365 +29709,9 @@
           </a:lstStyle>
           <a:p>
             <a:pPr defTabSz="685800"/>
-            <a:endParaRPr lang="ru-RU" dirty="0">
+            <a:endParaRPr lang="ru-RU" sz="1400" dirty="0">
               <a:solidFill>
-                <a:prstClr val="white"/>
-              </a:solidFill>
-            </a:endParaRPr>
-          </a:p>
-        </p:txBody>
-      </p:sp>
-      <p:pic>
-        <p:nvPicPr>
-          <p:cNvPr id="7" name="Рисунок 6" descr="https://proproprogs.ru/htm/modules/files/chto-takoe-subd-i-relyacionnye-bd.files/image001.jpg">
-            <a:extLst>
-              <a:ext uri="{FF2B5EF4-FFF2-40B4-BE49-F238E27FC236}">
-                <a16:creationId xmlns:a16="http://schemas.microsoft.com/office/drawing/2014/main" id="{BDD9C37D-FF71-4E13-9088-0A57B6CFBD55}"/>
-              </a:ext>
-            </a:extLst>
-          </p:cNvPr>
-          <p:cNvPicPr/>
-          <p:nvPr/>
-        </p:nvPicPr>
-        <p:blipFill>
-          <a:blip r:embed="rId3">
-            <a:extLst>
-              <a:ext uri="{28A0092B-C50C-407E-A947-70E740481C1C}">
-                <a14:useLocalDpi xmlns:a14="http://schemas.microsoft.com/office/drawing/2010/main" val="0"/>
-              </a:ext>
-            </a:extLst>
-          </a:blip>
-          <a:srcRect/>
-          <a:stretch>
-            <a:fillRect/>
-          </a:stretch>
-        </p:blipFill>
-        <p:spPr bwMode="auto">
-          <a:xfrm>
-            <a:off x="426012" y="738554"/>
-            <a:ext cx="5923915" cy="3045460"/>
-          </a:xfrm>
-          <a:prstGeom prst="rect">
-            <a:avLst/>
-          </a:prstGeom>
-          <a:noFill/>
-          <a:ln>
-            <a:noFill/>
-          </a:ln>
-        </p:spPr>
-      </p:pic>
-      <p:pic>
-        <p:nvPicPr>
-          <p:cNvPr id="8" name="Рисунок 7" descr="https://proproprogs.ru/htm/modules/files/chto-takoe-subd-i-relyacionnye-bd.files/image002.jpg">
-            <a:extLst>
-              <a:ext uri="{FF2B5EF4-FFF2-40B4-BE49-F238E27FC236}">
-                <a16:creationId xmlns:a16="http://schemas.microsoft.com/office/drawing/2014/main" id="{1147911C-2613-4EAE-9261-1748EAAEA309}"/>
-              </a:ext>
-            </a:extLst>
-          </p:cNvPr>
-          <p:cNvPicPr/>
-          <p:nvPr/>
-        </p:nvPicPr>
-        <p:blipFill>
-          <a:blip r:embed="rId4">
-            <a:extLst>
-              <a:ext uri="{28A0092B-C50C-407E-A947-70E740481C1C}">
-                <a14:useLocalDpi xmlns:a14="http://schemas.microsoft.com/office/drawing/2010/main" val="0"/>
-              </a:ext>
-            </a:extLst>
-          </a:blip>
-          <a:srcRect/>
-          <a:stretch>
-            <a:fillRect/>
-          </a:stretch>
-        </p:blipFill>
-        <p:spPr bwMode="auto">
-          <a:xfrm>
-            <a:off x="5083541" y="2672584"/>
-            <a:ext cx="7108459" cy="3418767"/>
-          </a:xfrm>
-          <a:prstGeom prst="rect">
-            <a:avLst/>
-          </a:prstGeom>
-          <a:noFill/>
-          <a:ln>
-            <a:noFill/>
-          </a:ln>
-        </p:spPr>
-      </p:pic>
-      <p:pic>
-        <p:nvPicPr>
-          <p:cNvPr id="9" name="Рисунок 8" descr="https://proproprogs.ru/htm/modules/files/chto-takoe-subd-i-relyacionnye-bd.files/image003.jpg">
-            <a:extLst>
-              <a:ext uri="{FF2B5EF4-FFF2-40B4-BE49-F238E27FC236}">
-                <a16:creationId xmlns:a16="http://schemas.microsoft.com/office/drawing/2014/main" id="{989A96CD-C3A1-497C-AE73-F9E079E39DCF}"/>
-              </a:ext>
-            </a:extLst>
-          </p:cNvPr>
-          <p:cNvPicPr/>
-          <p:nvPr/>
-        </p:nvPicPr>
-        <p:blipFill>
-          <a:blip r:embed="rId5">
-            <a:extLst>
-              <a:ext uri="{28A0092B-C50C-407E-A947-70E740481C1C}">
-                <a14:useLocalDpi xmlns:a14="http://schemas.microsoft.com/office/drawing/2010/main" val="0"/>
-              </a:ext>
-            </a:extLst>
-          </a:blip>
-          <a:srcRect/>
-          <a:stretch>
-            <a:fillRect/>
-          </a:stretch>
-        </p:blipFill>
-        <p:spPr bwMode="auto">
-          <a:xfrm>
-            <a:off x="527709" y="4561156"/>
-            <a:ext cx="5931535" cy="1558290"/>
-          </a:xfrm>
-          <a:prstGeom prst="rect">
-            <a:avLst/>
-          </a:prstGeom>
-          <a:noFill/>
-          <a:ln>
-            <a:noFill/>
-          </a:ln>
-        </p:spPr>
-      </p:pic>
-    </p:spTree>
-    <p:extLst>
-      <p:ext uri="{BB962C8B-B14F-4D97-AF65-F5344CB8AC3E}">
-        <p14:creationId xmlns:p14="http://schemas.microsoft.com/office/powerpoint/2010/main" val="3478189233"/>
-      </p:ext>
-    </p:extLst>
-  </p:cSld>
-  <p:clrMapOvr>
-    <a:masterClrMapping/>
-  </p:clrMapOvr>
-  <p:timing>
-    <p:tnLst>
-      <p:par>
-        <p:cTn id="1" dur="indefinite" restart="never" nodeType="tmRoot">
-          <p:childTnLst>
-            <p:seq concurrent="1" nextAc="seek">
-              <p:cTn id="2" dur="indefinite" nodeType="mainSeq">
-                <p:childTnLst>
-                  <p:par>
-                    <p:cTn id="3" fill="hold">
-                      <p:stCondLst>
-                        <p:cond delay="indefinite"/>
-                      </p:stCondLst>
-                      <p:childTnLst>
-                        <p:par>
-                          <p:cTn id="4" fill="hold">
-                            <p:stCondLst>
-                              <p:cond delay="0"/>
-                            </p:stCondLst>
-                            <p:childTnLst>
-                              <p:par>
-                                <p:cTn id="5" presetID="1" presetClass="entr" presetSubtype="0" fill="hold" nodeType="clickEffect">
-                                  <p:stCondLst>
-                                    <p:cond delay="0"/>
-                                  </p:stCondLst>
-                                  <p:childTnLst>
-                                    <p:set>
-                                      <p:cBhvr>
-                                        <p:cTn id="6" dur="1" fill="hold">
-                                          <p:stCondLst>
-                                            <p:cond delay="0"/>
-                                          </p:stCondLst>
-                                        </p:cTn>
-                                        <p:tgtEl>
-                                          <p:spTgt spid="7"/>
-                                        </p:tgtEl>
-                                        <p:attrNameLst>
-                                          <p:attrName>style.visibility</p:attrName>
-                                        </p:attrNameLst>
-                                      </p:cBhvr>
-                                      <p:to>
-                                        <p:strVal val="visible"/>
-                                      </p:to>
-                                    </p:set>
-                                  </p:childTnLst>
-                                </p:cTn>
-                              </p:par>
-                            </p:childTnLst>
-                          </p:cTn>
-                        </p:par>
-                      </p:childTnLst>
-                    </p:cTn>
-                  </p:par>
-                  <p:par>
-                    <p:cTn id="7" fill="hold">
-                      <p:stCondLst>
-                        <p:cond delay="indefinite"/>
-                      </p:stCondLst>
-                      <p:childTnLst>
-                        <p:par>
-                          <p:cTn id="8" fill="hold">
-                            <p:stCondLst>
-                              <p:cond delay="0"/>
-                            </p:stCondLst>
-                            <p:childTnLst>
-                              <p:par>
-                                <p:cTn id="9" presetID="1" presetClass="entr" presetSubtype="0" fill="hold" nodeType="clickEffect">
-                                  <p:stCondLst>
-                                    <p:cond delay="0"/>
-                                  </p:stCondLst>
-                                  <p:childTnLst>
-                                    <p:set>
-                                      <p:cBhvr>
-                                        <p:cTn id="10" dur="1" fill="hold">
-                                          <p:stCondLst>
-                                            <p:cond delay="0"/>
-                                          </p:stCondLst>
-                                        </p:cTn>
-                                        <p:tgtEl>
-                                          <p:spTgt spid="8"/>
-                                        </p:tgtEl>
-                                        <p:attrNameLst>
-                                          <p:attrName>style.visibility</p:attrName>
-                                        </p:attrNameLst>
-                                      </p:cBhvr>
-                                      <p:to>
-                                        <p:strVal val="visible"/>
-                                      </p:to>
-                                    </p:set>
-                                  </p:childTnLst>
-                                </p:cTn>
-                              </p:par>
-                            </p:childTnLst>
-                          </p:cTn>
-                        </p:par>
-                      </p:childTnLst>
-                    </p:cTn>
-                  </p:par>
-                  <p:par>
-                    <p:cTn id="11" fill="hold">
-                      <p:stCondLst>
-                        <p:cond delay="indefinite"/>
-                      </p:stCondLst>
-                      <p:childTnLst>
-                        <p:par>
-                          <p:cTn id="12" fill="hold">
-                            <p:stCondLst>
-                              <p:cond delay="0"/>
-                            </p:stCondLst>
-                            <p:childTnLst>
-                              <p:par>
-                                <p:cTn id="13" presetID="1" presetClass="entr" presetSubtype="0" fill="hold" nodeType="clickEffect">
-                                  <p:stCondLst>
-                                    <p:cond delay="0"/>
-                                  </p:stCondLst>
-                                  <p:childTnLst>
-                                    <p:set>
-                                      <p:cBhvr>
-                                        <p:cTn id="14" dur="1" fill="hold">
-                                          <p:stCondLst>
-                                            <p:cond delay="0"/>
-                                          </p:stCondLst>
-                                        </p:cTn>
-                                        <p:tgtEl>
-                                          <p:spTgt spid="9"/>
-                                        </p:tgtEl>
-                                        <p:attrNameLst>
-                                          <p:attrName>style.visibility</p:attrName>
-                                        </p:attrNameLst>
-                                      </p:cBhvr>
-                                      <p:to>
-                                        <p:strVal val="visible"/>
-                                      </p:to>
-                                    </p:set>
-                                  </p:childTnLst>
-                                </p:cTn>
-                              </p:par>
-                            </p:childTnLst>
-                          </p:cTn>
-                        </p:par>
-                      </p:childTnLst>
-                    </p:cTn>
-                  </p:par>
-                </p:childTnLst>
-              </p:cTn>
-              <p:prevCondLst>
-                <p:cond evt="onPrev" delay="0">
-                  <p:tgtEl>
-                    <p:sldTgt/>
-                  </p:tgtEl>
-                </p:cond>
-              </p:prevCondLst>
-              <p:nextCondLst>
-                <p:cond evt="onNext" delay="0">
-                  <p:tgtEl>
-                    <p:sldTgt/>
-                  </p:tgtEl>
-                </p:cond>
-              </p:nextCondLst>
-            </p:seq>
-          </p:childTnLst>
-        </p:cTn>
-      </p:par>
-    </p:tnLst>
-  </p:timing>
-</p:sld>
-</file>
-
-<file path=ppt/slides/slide5.xml><?xml version="1.0" encoding="utf-8"?>
-<p:sld xmlns:a="http://schemas.openxmlformats.org/drawingml/2006/main" xmlns:r="http://schemas.openxmlformats.org/officeDocument/2006/relationships" xmlns:p="http://schemas.openxmlformats.org/presentationml/2006/main">
-  <p:cSld>
-    <p:spTree>
-      <p:nvGrpSpPr>
-        <p:cNvPr id="1" name="Shape 313"/>
-        <p:cNvGrpSpPr/>
-        <p:nvPr/>
-      </p:nvGrpSpPr>
-      <p:grpSpPr>
-        <a:xfrm>
-          <a:off x="0" y="0"/>
-          <a:ext cx="0" cy="0"/>
-          <a:chOff x="0" y="0"/>
-          <a:chExt cx="0" cy="0"/>
-        </a:xfrm>
-      </p:grpSpPr>
-      <p:sp>
-        <p:nvSpPr>
-          <p:cNvPr id="3" name="Заголовок 2">
-            <a:extLst>
-              <a:ext uri="{FF2B5EF4-FFF2-40B4-BE49-F238E27FC236}">
-                <a16:creationId xmlns:a16="http://schemas.microsoft.com/office/drawing/2014/main" id="{4FBCF692-FDBC-44BA-859C-92967671B353}"/>
-              </a:ext>
-            </a:extLst>
-          </p:cNvPr>
-          <p:cNvSpPr>
-            <a:spLocks noGrp="1"/>
-          </p:cNvSpPr>
-          <p:nvPr>
-            <p:ph type="title"/>
-          </p:nvPr>
-        </p:nvSpPr>
-        <p:spPr>
-          <a:xfrm>
-            <a:off x="986743" y="118872"/>
-            <a:ext cx="1088946" cy="1132235"/>
-          </a:xfrm>
-        </p:spPr>
-        <p:txBody>
-          <a:bodyPr>
-            <a:normAutofit/>
-          </a:bodyPr>
-          <a:lstStyle/>
-          <a:p>
-            <a:r>
-              <a:rPr lang="ru-RU" dirty="0" err="1">
-                <a:solidFill>
-                  <a:srgbClr val="0070C0"/>
-                </a:solidFill>
-              </a:rPr>
-              <a:t>бд</a:t>
-            </a:r>
-            <a:endParaRPr lang="ru-RU" dirty="0">
-              <a:solidFill>
-                <a:srgbClr val="0070C0"/>
+                <a:schemeClr val="bg1"/>
               </a:solidFill>
             </a:endParaRPr>
           </a:p>
@@ -30264,343 +29719,1034 @@
       </p:sp>
       <p:sp>
         <p:nvSpPr>
-          <p:cNvPr id="6" name="Номер слайда 3">
+          <p:cNvPr id="4" name="Прямоугольник 3">
             <a:extLst>
               <a:ext uri="{FF2B5EF4-FFF2-40B4-BE49-F238E27FC236}">
-                <a16:creationId xmlns:a16="http://schemas.microsoft.com/office/drawing/2014/main" id="{A09098B3-FCCC-4206-BB84-6ADD3959B6E3}"/>
+                <a16:creationId xmlns:a16="http://schemas.microsoft.com/office/drawing/2014/main" id="{FBBAE0D2-49BF-44C8-B85D-C7E87AE642A7}"/>
               </a:ext>
             </a:extLst>
           </p:cNvPr>
-          <p:cNvSpPr txBox="1">
-            <a:spLocks/>
-          </p:cNvSpPr>
+          <p:cNvSpPr/>
           <p:nvPr/>
         </p:nvSpPr>
         <p:spPr>
           <a:xfrm>
-            <a:off x="2667147" y="1938528"/>
-            <a:ext cx="0" cy="0"/>
+            <a:off x="2959608" y="305067"/>
+            <a:ext cx="8726423" cy="2308324"/>
           </a:xfrm>
           <a:prstGeom prst="rect">
             <a:avLst/>
           </a:prstGeom>
-          <a:noFill/>
-          <a:ln>
-            <a:noFill/>
-          </a:ln>
         </p:spPr>
         <p:txBody>
-          <a:bodyPr spcFirstLastPara="1" wrap="square" lIns="91425" tIns="45700" rIns="91425" bIns="45700" anchor="ctr" anchorCtr="0">
-            <a:noAutofit/>
+          <a:bodyPr wrap="square">
+            <a:spAutoFit/>
           </a:bodyPr>
-          <a:lstStyle>
-            <a:defPPr marR="0" lvl="0" algn="l" rtl="0">
-              <a:lnSpc>
-                <a:spcPct val="100000"/>
-              </a:lnSpc>
-              <a:spcBef>
-                <a:spcPts val="0"/>
-              </a:spcBef>
-              <a:spcAft>
-                <a:spcPts val="0"/>
-              </a:spcAft>
-            </a:defPPr>
-            <a:lvl1pPr marR="0" lvl="0" algn="l" rtl="0">
-              <a:lnSpc>
-                <a:spcPct val="100000"/>
-              </a:lnSpc>
-              <a:spcBef>
-                <a:spcPts val="0"/>
-              </a:spcBef>
-              <a:spcAft>
-                <a:spcPts val="0"/>
-              </a:spcAft>
-              <a:buClr>
-                <a:srgbClr val="000000"/>
-              </a:buClr>
-              <a:buSzPts val="1400"/>
-              <a:buFont typeface="Arial"/>
-              <a:buNone/>
-              <a:defRPr sz="1200" b="0" i="0" u="none" strike="noStrike" cap="none">
-                <a:solidFill>
-                  <a:srgbClr val="838C97"/>
-                </a:solidFill>
-                <a:latin typeface="Calibri"/>
-                <a:ea typeface="Calibri"/>
-                <a:cs typeface="Calibri"/>
-                <a:sym typeface="Calibri"/>
-              </a:defRPr>
-            </a:lvl1pPr>
-            <a:lvl2pPr marR="0" lvl="1" algn="l" rtl="0">
-              <a:lnSpc>
-                <a:spcPct val="100000"/>
-              </a:lnSpc>
-              <a:spcBef>
-                <a:spcPts val="0"/>
-              </a:spcBef>
-              <a:spcAft>
-                <a:spcPts val="0"/>
-              </a:spcAft>
-              <a:buClr>
-                <a:srgbClr val="000000"/>
-              </a:buClr>
-              <a:buSzPts val="1400"/>
-              <a:buFont typeface="Arial"/>
-              <a:buNone/>
-              <a:defRPr sz="1800" b="0" i="0" u="none" strike="noStrike" cap="none">
-                <a:solidFill>
-                  <a:schemeClr val="dk1"/>
-                </a:solidFill>
-                <a:latin typeface="Calibri"/>
-                <a:ea typeface="Calibri"/>
-                <a:cs typeface="Calibri"/>
-                <a:sym typeface="Calibri"/>
-              </a:defRPr>
-            </a:lvl2pPr>
-            <a:lvl3pPr marR="0" lvl="2" algn="l" rtl="0">
-              <a:lnSpc>
-                <a:spcPct val="100000"/>
-              </a:lnSpc>
-              <a:spcBef>
-                <a:spcPts val="0"/>
-              </a:spcBef>
-              <a:spcAft>
-                <a:spcPts val="0"/>
-              </a:spcAft>
-              <a:buClr>
-                <a:srgbClr val="000000"/>
-              </a:buClr>
-              <a:buSzPts val="1400"/>
-              <a:buFont typeface="Arial"/>
-              <a:buNone/>
-              <a:defRPr sz="1800" b="0" i="0" u="none" strike="noStrike" cap="none">
-                <a:solidFill>
-                  <a:schemeClr val="dk1"/>
-                </a:solidFill>
-                <a:latin typeface="Calibri"/>
-                <a:ea typeface="Calibri"/>
-                <a:cs typeface="Calibri"/>
-                <a:sym typeface="Calibri"/>
-              </a:defRPr>
-            </a:lvl3pPr>
-            <a:lvl4pPr marR="0" lvl="3" algn="l" rtl="0">
-              <a:lnSpc>
-                <a:spcPct val="100000"/>
-              </a:lnSpc>
-              <a:spcBef>
-                <a:spcPts val="0"/>
-              </a:spcBef>
-              <a:spcAft>
-                <a:spcPts val="0"/>
-              </a:spcAft>
-              <a:buClr>
-                <a:srgbClr val="000000"/>
-              </a:buClr>
-              <a:buSzPts val="1400"/>
-              <a:buFont typeface="Arial"/>
-              <a:buNone/>
-              <a:defRPr sz="1800" b="0" i="0" u="none" strike="noStrike" cap="none">
-                <a:solidFill>
-                  <a:schemeClr val="dk1"/>
-                </a:solidFill>
-                <a:latin typeface="Calibri"/>
-                <a:ea typeface="Calibri"/>
-                <a:cs typeface="Calibri"/>
-                <a:sym typeface="Calibri"/>
-              </a:defRPr>
-            </a:lvl4pPr>
-            <a:lvl5pPr marR="0" lvl="4" algn="l" rtl="0">
-              <a:lnSpc>
-                <a:spcPct val="100000"/>
-              </a:lnSpc>
-              <a:spcBef>
-                <a:spcPts val="0"/>
-              </a:spcBef>
-              <a:spcAft>
-                <a:spcPts val="0"/>
-              </a:spcAft>
-              <a:buClr>
-                <a:srgbClr val="000000"/>
-              </a:buClr>
-              <a:buSzPts val="1400"/>
-              <a:buFont typeface="Arial"/>
-              <a:buNone/>
-              <a:defRPr sz="1800" b="0" i="0" u="none" strike="noStrike" cap="none">
-                <a:solidFill>
-                  <a:schemeClr val="dk1"/>
-                </a:solidFill>
-                <a:latin typeface="Calibri"/>
-                <a:ea typeface="Calibri"/>
-                <a:cs typeface="Calibri"/>
-                <a:sym typeface="Calibri"/>
-              </a:defRPr>
-            </a:lvl5pPr>
-            <a:lvl6pPr marR="0" lvl="5" algn="l" rtl="0">
-              <a:lnSpc>
-                <a:spcPct val="100000"/>
-              </a:lnSpc>
-              <a:spcBef>
-                <a:spcPts val="0"/>
-              </a:spcBef>
-              <a:spcAft>
-                <a:spcPts val="0"/>
-              </a:spcAft>
-              <a:buClr>
-                <a:srgbClr val="000000"/>
-              </a:buClr>
-              <a:buSzPts val="1400"/>
-              <a:buFont typeface="Arial"/>
-              <a:buNone/>
-              <a:defRPr sz="1800" b="0" i="0" u="none" strike="noStrike" cap="none">
-                <a:solidFill>
-                  <a:schemeClr val="dk1"/>
-                </a:solidFill>
-                <a:latin typeface="Calibri"/>
-                <a:ea typeface="Calibri"/>
-                <a:cs typeface="Calibri"/>
-                <a:sym typeface="Calibri"/>
-              </a:defRPr>
-            </a:lvl6pPr>
-            <a:lvl7pPr marR="0" lvl="6" algn="l" rtl="0">
-              <a:lnSpc>
-                <a:spcPct val="100000"/>
-              </a:lnSpc>
-              <a:spcBef>
-                <a:spcPts val="0"/>
-              </a:spcBef>
-              <a:spcAft>
-                <a:spcPts val="0"/>
-              </a:spcAft>
-              <a:buClr>
-                <a:srgbClr val="000000"/>
-              </a:buClr>
-              <a:buSzPts val="1400"/>
-              <a:buFont typeface="Arial"/>
-              <a:buNone/>
-              <a:defRPr sz="1800" b="0" i="0" u="none" strike="noStrike" cap="none">
-                <a:solidFill>
-                  <a:schemeClr val="dk1"/>
-                </a:solidFill>
-                <a:latin typeface="Calibri"/>
-                <a:ea typeface="Calibri"/>
-                <a:cs typeface="Calibri"/>
-                <a:sym typeface="Calibri"/>
-              </a:defRPr>
-            </a:lvl7pPr>
-            <a:lvl8pPr marR="0" lvl="7" algn="l" rtl="0">
-              <a:lnSpc>
-                <a:spcPct val="100000"/>
-              </a:lnSpc>
-              <a:spcBef>
-                <a:spcPts val="0"/>
-              </a:spcBef>
-              <a:spcAft>
-                <a:spcPts val="0"/>
-              </a:spcAft>
-              <a:buClr>
-                <a:srgbClr val="000000"/>
-              </a:buClr>
-              <a:buSzPts val="1400"/>
-              <a:buFont typeface="Arial"/>
-              <a:buNone/>
-              <a:defRPr sz="1800" b="0" i="0" u="none" strike="noStrike" cap="none">
-                <a:solidFill>
-                  <a:schemeClr val="dk1"/>
-                </a:solidFill>
-                <a:latin typeface="Calibri"/>
-                <a:ea typeface="Calibri"/>
-                <a:cs typeface="Calibri"/>
-                <a:sym typeface="Calibri"/>
-              </a:defRPr>
-            </a:lvl8pPr>
-            <a:lvl9pPr marR="0" lvl="8" algn="l" rtl="0">
-              <a:lnSpc>
-                <a:spcPct val="100000"/>
-              </a:lnSpc>
-              <a:spcBef>
-                <a:spcPts val="0"/>
-              </a:spcBef>
-              <a:spcAft>
-                <a:spcPts val="0"/>
-              </a:spcAft>
-              <a:buClr>
-                <a:srgbClr val="000000"/>
-              </a:buClr>
-              <a:buSzPts val="1400"/>
-              <a:buFont typeface="Arial"/>
-              <a:buNone/>
-              <a:defRPr sz="1800" b="0" i="0" u="none" strike="noStrike" cap="none">
-                <a:solidFill>
-                  <a:schemeClr val="dk1"/>
-                </a:solidFill>
-                <a:latin typeface="Calibri"/>
-                <a:ea typeface="Calibri"/>
-                <a:cs typeface="Calibri"/>
-                <a:sym typeface="Calibri"/>
-              </a:defRPr>
-            </a:lvl9pPr>
-          </a:lstStyle>
+          <a:lstStyle/>
           <a:p>
-            <a:pPr defTabSz="685800"/>
-            <a:endParaRPr lang="ru-RU" dirty="0">
+            <a:r>
+              <a:rPr lang="ru-RU" sz="1600" dirty="0">
+                <a:solidFill>
+                  <a:srgbClr val="FFC000"/>
+                </a:solidFill>
+              </a:rPr>
+              <a:t># Получить все записи</a:t>
+            </a:r>
+          </a:p>
+          <a:p>
+            <a:r>
+              <a:rPr lang="en-US" sz="1600" dirty="0">
+                <a:solidFill>
+                  <a:schemeClr val="bg1"/>
+                </a:solidFill>
+              </a:rPr>
+              <a:t>users = </a:t>
+            </a:r>
+            <a:r>
+              <a:rPr lang="en-US" sz="1600" dirty="0" err="1">
+                <a:solidFill>
+                  <a:schemeClr val="bg1"/>
+                </a:solidFill>
+              </a:rPr>
+              <a:t>session.query</a:t>
+            </a:r>
+            <a:r>
+              <a:rPr lang="en-US" sz="1600" dirty="0">
+                <a:solidFill>
+                  <a:schemeClr val="bg1"/>
+                </a:solidFill>
+              </a:rPr>
+              <a:t>(User).all()</a:t>
+            </a:r>
+          </a:p>
+          <a:p>
+            <a:endParaRPr lang="en-US" sz="1600" dirty="0">
               <a:solidFill>
-                <a:prstClr val="white"/>
+                <a:schemeClr val="bg1"/>
+              </a:solidFill>
+            </a:endParaRPr>
+          </a:p>
+          <a:p>
+            <a:r>
+              <a:rPr lang="en-US" sz="1600" dirty="0">
+                <a:solidFill>
+                  <a:schemeClr val="bg1"/>
+                </a:solidFill>
+              </a:rPr>
+              <a:t># </a:t>
+            </a:r>
+            <a:r>
+              <a:rPr lang="ru-RU" sz="1600" dirty="0">
+                <a:solidFill>
+                  <a:schemeClr val="bg1"/>
+                </a:solidFill>
+              </a:rPr>
+              <a:t>Фильтрация</a:t>
+            </a:r>
+          </a:p>
+          <a:p>
+            <a:r>
+              <a:rPr lang="en-US" sz="1600" dirty="0">
+                <a:solidFill>
+                  <a:schemeClr val="bg1"/>
+                </a:solidFill>
+              </a:rPr>
+              <a:t>user = </a:t>
+            </a:r>
+            <a:r>
+              <a:rPr lang="en-US" sz="1600" dirty="0" err="1">
+                <a:solidFill>
+                  <a:schemeClr val="bg1"/>
+                </a:solidFill>
+              </a:rPr>
+              <a:t>session.query</a:t>
+            </a:r>
+            <a:r>
+              <a:rPr lang="en-US" sz="1600" dirty="0">
+                <a:solidFill>
+                  <a:schemeClr val="bg1"/>
+                </a:solidFill>
+              </a:rPr>
+              <a:t>(User).</a:t>
+            </a:r>
+            <a:r>
+              <a:rPr lang="en-US" sz="1600" dirty="0" err="1">
+                <a:solidFill>
+                  <a:schemeClr val="bg1"/>
+                </a:solidFill>
+              </a:rPr>
+              <a:t>filter_by</a:t>
+            </a:r>
+            <a:r>
+              <a:rPr lang="en-US" sz="1600" dirty="0">
+                <a:solidFill>
+                  <a:schemeClr val="bg1"/>
+                </a:solidFill>
+              </a:rPr>
+              <a:t>(name="John").first()</a:t>
+            </a:r>
+          </a:p>
+          <a:p>
+            <a:r>
+              <a:rPr lang="en-US" sz="1600" dirty="0">
+                <a:solidFill>
+                  <a:schemeClr val="bg1"/>
+                </a:solidFill>
+              </a:rPr>
+              <a:t>user = </a:t>
+            </a:r>
+            <a:r>
+              <a:rPr lang="en-US" sz="1600" dirty="0" err="1">
+                <a:solidFill>
+                  <a:schemeClr val="bg1"/>
+                </a:solidFill>
+              </a:rPr>
+              <a:t>session.query</a:t>
+            </a:r>
+            <a:r>
+              <a:rPr lang="en-US" sz="1600" dirty="0">
+                <a:solidFill>
+                  <a:schemeClr val="bg1"/>
+                </a:solidFill>
+              </a:rPr>
+              <a:t>(User).filter(</a:t>
+            </a:r>
+            <a:r>
+              <a:rPr lang="en-US" sz="1600" dirty="0" err="1">
+                <a:solidFill>
+                  <a:schemeClr val="bg1"/>
+                </a:solidFill>
+              </a:rPr>
+              <a:t>User.email.like</a:t>
+            </a:r>
+            <a:r>
+              <a:rPr lang="en-US" sz="1600" dirty="0">
+                <a:solidFill>
+                  <a:schemeClr val="bg1"/>
+                </a:solidFill>
+              </a:rPr>
+              <a:t>("%@example.com")).all()</a:t>
+            </a:r>
+          </a:p>
+          <a:p>
+            <a:endParaRPr lang="en-US" sz="1600" dirty="0">
+              <a:solidFill>
+                <a:schemeClr val="bg1"/>
+              </a:solidFill>
+            </a:endParaRPr>
+          </a:p>
+          <a:p>
+            <a:r>
+              <a:rPr lang="en-US" sz="1600" dirty="0">
+                <a:solidFill>
+                  <a:schemeClr val="bg1"/>
+                </a:solidFill>
+              </a:rPr>
+              <a:t># </a:t>
+            </a:r>
+            <a:r>
+              <a:rPr lang="ru-RU" sz="1600" dirty="0">
+                <a:solidFill>
+                  <a:schemeClr val="bg1"/>
+                </a:solidFill>
+              </a:rPr>
+              <a:t>Получить по </a:t>
+            </a:r>
+            <a:r>
+              <a:rPr lang="en-US" sz="1600" dirty="0">
+                <a:solidFill>
+                  <a:schemeClr val="bg1"/>
+                </a:solidFill>
+              </a:rPr>
+              <a:t>ID</a:t>
+            </a:r>
+          </a:p>
+          <a:p>
+            <a:r>
+              <a:rPr lang="en-US" sz="1600" dirty="0">
+                <a:solidFill>
+                  <a:schemeClr val="bg1"/>
+                </a:solidFill>
+              </a:rPr>
+              <a:t>user = </a:t>
+            </a:r>
+            <a:r>
+              <a:rPr lang="en-US" sz="1600" dirty="0" err="1">
+                <a:solidFill>
+                  <a:schemeClr val="bg1"/>
+                </a:solidFill>
+              </a:rPr>
+              <a:t>session.get</a:t>
+            </a:r>
+            <a:r>
+              <a:rPr lang="en-US" sz="1600" dirty="0">
+                <a:solidFill>
+                  <a:schemeClr val="bg1"/>
+                </a:solidFill>
+              </a:rPr>
+              <a:t>(User, 1)</a:t>
+            </a:r>
+            <a:endParaRPr lang="ru-RU" sz="1600" dirty="0">
+              <a:solidFill>
+                <a:schemeClr val="bg1"/>
               </a:solidFill>
             </a:endParaRPr>
           </a:p>
         </p:txBody>
       </p:sp>
-      <p:pic>
-        <p:nvPicPr>
-          <p:cNvPr id="7" name="Picture 2" descr="https://habrastorage.org/r/w1560/files/38a/503/ff2/38a503ff27b846e4aac2411fb0fdf614.png">
+      <p:sp>
+        <p:nvSpPr>
+          <p:cNvPr id="5" name="Прямоугольник 4">
             <a:extLst>
               <a:ext uri="{FF2B5EF4-FFF2-40B4-BE49-F238E27FC236}">
-                <a16:creationId xmlns:a16="http://schemas.microsoft.com/office/drawing/2014/main" id="{9BE93498-ABA8-45B9-8E81-F6946888E3B6}"/>
+                <a16:creationId xmlns:a16="http://schemas.microsoft.com/office/drawing/2014/main" id="{AAE39DC9-30C9-445E-B900-68A800F7898F}"/>
               </a:ext>
             </a:extLst>
           </p:cNvPr>
-          <p:cNvPicPr>
-            <a:picLocks noChangeAspect="1" noChangeArrowheads="1"/>
-          </p:cNvPicPr>
+          <p:cNvSpPr/>
           <p:nvPr/>
-        </p:nvPicPr>
-        <p:blipFill>
-          <a:blip r:embed="rId3">
-            <a:extLst>
-              <a:ext uri="{28A0092B-C50C-407E-A947-70E740481C1C}">
-                <a14:useLocalDpi xmlns:a14="http://schemas.microsoft.com/office/drawing/2010/main" val="0"/>
-              </a:ext>
-            </a:extLst>
-          </a:blip>
-          <a:srcRect/>
-          <a:stretch>
-            <a:fillRect/>
-          </a:stretch>
-        </p:blipFill>
-        <p:spPr bwMode="auto">
+        </p:nvSpPr>
+        <p:spPr>
           <a:xfrm>
-            <a:off x="2516957" y="927582"/>
-            <a:ext cx="8314441" cy="5271932"/>
+            <a:off x="231647" y="3013501"/>
+            <a:ext cx="6096000" cy="830997"/>
           </a:xfrm>
           <a:prstGeom prst="rect">
             <a:avLst/>
           </a:prstGeom>
-          <a:noFill/>
-          <a:extLst>
-            <a:ext uri="{909E8E84-426E-40DD-AFC4-6F175D3DCCD1}">
-              <a14:hiddenFill xmlns:a14="http://schemas.microsoft.com/office/drawing/2010/main">
-                <a:solidFill>
-                  <a:srgbClr val="FFFFFF"/>
-                </a:solidFill>
-              </a14:hiddenFill>
-            </a:ext>
-          </a:extLst>
         </p:spPr>
-      </p:pic>
+        <p:txBody>
+          <a:bodyPr>
+            <a:spAutoFit/>
+          </a:bodyPr>
+          <a:lstStyle/>
+          <a:p>
+            <a:r>
+              <a:rPr lang="ru-RU" sz="1600" dirty="0">
+                <a:solidFill>
+                  <a:schemeClr val="bg1"/>
+                </a:solidFill>
+              </a:rPr>
+              <a:t>user = </a:t>
+            </a:r>
+            <a:r>
+              <a:rPr lang="ru-RU" sz="1600" dirty="0" err="1">
+                <a:solidFill>
+                  <a:schemeClr val="bg1"/>
+                </a:solidFill>
+              </a:rPr>
+              <a:t>session.query</a:t>
+            </a:r>
+            <a:r>
+              <a:rPr lang="ru-RU" sz="1600" dirty="0">
+                <a:solidFill>
+                  <a:schemeClr val="bg1"/>
+                </a:solidFill>
+              </a:rPr>
+              <a:t>(User).</a:t>
+            </a:r>
+            <a:r>
+              <a:rPr lang="ru-RU" sz="1600" dirty="0" err="1">
+                <a:solidFill>
+                  <a:schemeClr val="bg1"/>
+                </a:solidFill>
+              </a:rPr>
+              <a:t>filter_by</a:t>
+            </a:r>
+            <a:r>
+              <a:rPr lang="ru-RU" sz="1600" dirty="0">
+                <a:solidFill>
+                  <a:schemeClr val="bg1"/>
+                </a:solidFill>
+              </a:rPr>
+              <a:t>(</a:t>
+            </a:r>
+            <a:r>
+              <a:rPr lang="ru-RU" sz="1600" dirty="0" err="1">
+                <a:solidFill>
+                  <a:schemeClr val="bg1"/>
+                </a:solidFill>
+              </a:rPr>
+              <a:t>name</a:t>
+            </a:r>
+            <a:r>
+              <a:rPr lang="ru-RU" sz="1600" dirty="0">
+                <a:solidFill>
+                  <a:schemeClr val="bg1"/>
+                </a:solidFill>
+              </a:rPr>
+              <a:t>="</a:t>
+            </a:r>
+            <a:r>
+              <a:rPr lang="ru-RU" sz="1600" dirty="0" err="1">
+                <a:solidFill>
+                  <a:schemeClr val="bg1"/>
+                </a:solidFill>
+              </a:rPr>
+              <a:t>John</a:t>
+            </a:r>
+            <a:r>
+              <a:rPr lang="ru-RU" sz="1600" dirty="0">
+                <a:solidFill>
+                  <a:schemeClr val="bg1"/>
+                </a:solidFill>
+              </a:rPr>
+              <a:t>").</a:t>
+            </a:r>
+            <a:r>
+              <a:rPr lang="ru-RU" sz="1600" dirty="0" err="1">
+                <a:solidFill>
+                  <a:schemeClr val="bg1"/>
+                </a:solidFill>
+              </a:rPr>
+              <a:t>first</a:t>
+            </a:r>
+            <a:r>
+              <a:rPr lang="ru-RU" sz="1600" dirty="0">
+                <a:solidFill>
+                  <a:schemeClr val="bg1"/>
+                </a:solidFill>
+              </a:rPr>
+              <a:t>()</a:t>
+            </a:r>
+          </a:p>
+          <a:p>
+            <a:r>
+              <a:rPr lang="ru-RU" sz="1600" dirty="0" err="1">
+                <a:solidFill>
+                  <a:schemeClr val="bg1"/>
+                </a:solidFill>
+              </a:rPr>
+              <a:t>user.email</a:t>
+            </a:r>
+            <a:r>
+              <a:rPr lang="ru-RU" sz="1600" dirty="0">
+                <a:solidFill>
+                  <a:schemeClr val="bg1"/>
+                </a:solidFill>
+              </a:rPr>
+              <a:t> = "new_email@example.com"</a:t>
+            </a:r>
+          </a:p>
+          <a:p>
+            <a:r>
+              <a:rPr lang="ru-RU" sz="1600" dirty="0" err="1">
+                <a:solidFill>
+                  <a:schemeClr val="bg1"/>
+                </a:solidFill>
+              </a:rPr>
+              <a:t>session.commit</a:t>
+            </a:r>
+            <a:r>
+              <a:rPr lang="ru-RU" sz="1600" dirty="0">
+                <a:solidFill>
+                  <a:schemeClr val="bg1"/>
+                </a:solidFill>
+              </a:rPr>
+              <a:t>()</a:t>
+            </a:r>
+          </a:p>
+        </p:txBody>
+      </p:sp>
+      <p:sp>
+        <p:nvSpPr>
+          <p:cNvPr id="7" name="Прямоугольник 6">
+            <a:extLst>
+              <a:ext uri="{FF2B5EF4-FFF2-40B4-BE49-F238E27FC236}">
+                <a16:creationId xmlns:a16="http://schemas.microsoft.com/office/drawing/2014/main" id="{7D2B7FC6-88AD-4171-85AD-42E0E172293D}"/>
+              </a:ext>
+            </a:extLst>
+          </p:cNvPr>
+          <p:cNvSpPr/>
+          <p:nvPr/>
+        </p:nvSpPr>
+        <p:spPr>
+          <a:xfrm>
+            <a:off x="6687312" y="2695951"/>
+            <a:ext cx="6096000" cy="830997"/>
+          </a:xfrm>
+          <a:prstGeom prst="rect">
+            <a:avLst/>
+          </a:prstGeom>
+        </p:spPr>
+        <p:txBody>
+          <a:bodyPr>
+            <a:spAutoFit/>
+          </a:bodyPr>
+          <a:lstStyle/>
+          <a:p>
+            <a:r>
+              <a:rPr lang="ru-RU" sz="1600" dirty="0">
+                <a:solidFill>
+                  <a:schemeClr val="bg1"/>
+                </a:solidFill>
+              </a:rPr>
+              <a:t>user = </a:t>
+            </a:r>
+            <a:r>
+              <a:rPr lang="ru-RU" sz="1600" dirty="0" err="1">
+                <a:solidFill>
+                  <a:schemeClr val="bg1"/>
+                </a:solidFill>
+              </a:rPr>
+              <a:t>session.query</a:t>
+            </a:r>
+            <a:r>
+              <a:rPr lang="ru-RU" sz="1600" dirty="0">
+                <a:solidFill>
+                  <a:schemeClr val="bg1"/>
+                </a:solidFill>
+              </a:rPr>
+              <a:t>(User).</a:t>
+            </a:r>
+            <a:r>
+              <a:rPr lang="ru-RU" sz="1600" dirty="0" err="1">
+                <a:solidFill>
+                  <a:schemeClr val="bg1"/>
+                </a:solidFill>
+              </a:rPr>
+              <a:t>filter_by</a:t>
+            </a:r>
+            <a:r>
+              <a:rPr lang="ru-RU" sz="1600" dirty="0">
+                <a:solidFill>
+                  <a:schemeClr val="bg1"/>
+                </a:solidFill>
+              </a:rPr>
+              <a:t>(</a:t>
+            </a:r>
+            <a:r>
+              <a:rPr lang="ru-RU" sz="1600" dirty="0" err="1">
+                <a:solidFill>
+                  <a:schemeClr val="bg1"/>
+                </a:solidFill>
+              </a:rPr>
+              <a:t>name</a:t>
+            </a:r>
+            <a:r>
+              <a:rPr lang="ru-RU" sz="1600" dirty="0">
+                <a:solidFill>
+                  <a:schemeClr val="bg1"/>
+                </a:solidFill>
+              </a:rPr>
+              <a:t>="</a:t>
+            </a:r>
+            <a:r>
+              <a:rPr lang="ru-RU" sz="1600" dirty="0" err="1">
+                <a:solidFill>
+                  <a:schemeClr val="bg1"/>
+                </a:solidFill>
+              </a:rPr>
+              <a:t>John</a:t>
+            </a:r>
+            <a:r>
+              <a:rPr lang="ru-RU" sz="1600" dirty="0">
+                <a:solidFill>
+                  <a:schemeClr val="bg1"/>
+                </a:solidFill>
+              </a:rPr>
+              <a:t>").</a:t>
+            </a:r>
+            <a:r>
+              <a:rPr lang="ru-RU" sz="1600" dirty="0" err="1">
+                <a:solidFill>
+                  <a:schemeClr val="bg1"/>
+                </a:solidFill>
+              </a:rPr>
+              <a:t>first</a:t>
+            </a:r>
+            <a:r>
+              <a:rPr lang="ru-RU" sz="1600" dirty="0">
+                <a:solidFill>
+                  <a:schemeClr val="bg1"/>
+                </a:solidFill>
+              </a:rPr>
+              <a:t>()</a:t>
+            </a:r>
+          </a:p>
+          <a:p>
+            <a:r>
+              <a:rPr lang="ru-RU" sz="1600" dirty="0" err="1">
+                <a:solidFill>
+                  <a:schemeClr val="bg1"/>
+                </a:solidFill>
+              </a:rPr>
+              <a:t>session.delete</a:t>
+            </a:r>
+            <a:r>
+              <a:rPr lang="ru-RU" sz="1600" dirty="0">
+                <a:solidFill>
+                  <a:schemeClr val="bg1"/>
+                </a:solidFill>
+              </a:rPr>
+              <a:t>(user)</a:t>
+            </a:r>
+          </a:p>
+          <a:p>
+            <a:r>
+              <a:rPr lang="ru-RU" sz="1600" dirty="0" err="1">
+                <a:solidFill>
+                  <a:schemeClr val="bg1"/>
+                </a:solidFill>
+              </a:rPr>
+              <a:t>session.commit</a:t>
+            </a:r>
+            <a:r>
+              <a:rPr lang="ru-RU" sz="1600" dirty="0">
+                <a:solidFill>
+                  <a:schemeClr val="bg1"/>
+                </a:solidFill>
+              </a:rPr>
+              <a:t>()</a:t>
+            </a:r>
+          </a:p>
+        </p:txBody>
+      </p:sp>
+      <p:sp>
+        <p:nvSpPr>
+          <p:cNvPr id="8" name="Прямоугольник 7">
+            <a:extLst>
+              <a:ext uri="{FF2B5EF4-FFF2-40B4-BE49-F238E27FC236}">
+                <a16:creationId xmlns:a16="http://schemas.microsoft.com/office/drawing/2014/main" id="{63EC7912-8906-454D-BFD9-DF31A9841BDA}"/>
+              </a:ext>
+            </a:extLst>
+          </p:cNvPr>
+          <p:cNvSpPr/>
+          <p:nvPr/>
+        </p:nvSpPr>
+        <p:spPr>
+          <a:xfrm>
+            <a:off x="4599432" y="3979023"/>
+            <a:ext cx="7269480" cy="2800767"/>
+          </a:xfrm>
+          <a:prstGeom prst="rect">
+            <a:avLst/>
+          </a:prstGeom>
+        </p:spPr>
+        <p:txBody>
+          <a:bodyPr wrap="square">
+            <a:spAutoFit/>
+          </a:bodyPr>
+          <a:lstStyle/>
+          <a:p>
+            <a:r>
+              <a:rPr lang="ru-RU" sz="1600" dirty="0">
+                <a:solidFill>
+                  <a:schemeClr val="bg1"/>
+                </a:solidFill>
+              </a:rPr>
+              <a:t># SELECT * FROM </a:t>
+            </a:r>
+            <a:r>
+              <a:rPr lang="ru-RU" sz="1600" dirty="0" err="1">
+                <a:solidFill>
+                  <a:schemeClr val="bg1"/>
+                </a:solidFill>
+              </a:rPr>
+              <a:t>users</a:t>
+            </a:r>
+            <a:r>
+              <a:rPr lang="ru-RU" sz="1600" dirty="0">
+                <a:solidFill>
+                  <a:schemeClr val="bg1"/>
+                </a:solidFill>
+              </a:rPr>
+              <a:t>;</a:t>
+            </a:r>
+          </a:p>
+          <a:p>
+            <a:r>
+              <a:rPr lang="ru-RU" sz="1600" dirty="0" err="1">
+                <a:solidFill>
+                  <a:schemeClr val="bg1"/>
+                </a:solidFill>
+              </a:rPr>
+              <a:t>users</a:t>
+            </a:r>
+            <a:r>
+              <a:rPr lang="ru-RU" sz="1600" dirty="0">
+                <a:solidFill>
+                  <a:schemeClr val="bg1"/>
+                </a:solidFill>
+              </a:rPr>
+              <a:t> = </a:t>
+            </a:r>
+            <a:r>
+              <a:rPr lang="ru-RU" sz="1600" dirty="0" err="1">
+                <a:solidFill>
+                  <a:schemeClr val="bg1"/>
+                </a:solidFill>
+              </a:rPr>
+              <a:t>session.query</a:t>
+            </a:r>
+            <a:r>
+              <a:rPr lang="ru-RU" sz="1600" dirty="0">
+                <a:solidFill>
+                  <a:schemeClr val="bg1"/>
+                </a:solidFill>
+              </a:rPr>
+              <a:t>(User).</a:t>
+            </a:r>
+            <a:r>
+              <a:rPr lang="ru-RU" sz="1600" dirty="0" err="1">
+                <a:solidFill>
+                  <a:schemeClr val="bg1"/>
+                </a:solidFill>
+              </a:rPr>
+              <a:t>all</a:t>
+            </a:r>
+            <a:r>
+              <a:rPr lang="ru-RU" sz="1600" dirty="0">
+                <a:solidFill>
+                  <a:schemeClr val="bg1"/>
+                </a:solidFill>
+              </a:rPr>
+              <a:t>()</a:t>
+            </a:r>
+          </a:p>
+          <a:p>
+            <a:endParaRPr lang="ru-RU" sz="1600" dirty="0">
+              <a:solidFill>
+                <a:schemeClr val="bg1"/>
+              </a:solidFill>
+            </a:endParaRPr>
+          </a:p>
+          <a:p>
+            <a:r>
+              <a:rPr lang="ru-RU" sz="1600" dirty="0">
+                <a:solidFill>
+                  <a:schemeClr val="bg1"/>
+                </a:solidFill>
+              </a:rPr>
+              <a:t># SELECT </a:t>
+            </a:r>
+            <a:r>
+              <a:rPr lang="ru-RU" sz="1600" dirty="0" err="1">
+                <a:solidFill>
+                  <a:schemeClr val="bg1"/>
+                </a:solidFill>
+              </a:rPr>
+              <a:t>name</a:t>
+            </a:r>
+            <a:r>
+              <a:rPr lang="ru-RU" sz="1600" dirty="0">
+                <a:solidFill>
+                  <a:schemeClr val="bg1"/>
+                </a:solidFill>
+              </a:rPr>
+              <a:t>, </a:t>
+            </a:r>
+            <a:r>
+              <a:rPr lang="ru-RU" sz="1600" dirty="0" err="1">
+                <a:solidFill>
+                  <a:schemeClr val="bg1"/>
+                </a:solidFill>
+              </a:rPr>
+              <a:t>email</a:t>
+            </a:r>
+            <a:r>
+              <a:rPr lang="ru-RU" sz="1600" dirty="0">
+                <a:solidFill>
+                  <a:schemeClr val="bg1"/>
+                </a:solidFill>
+              </a:rPr>
+              <a:t> FROM </a:t>
+            </a:r>
+            <a:r>
+              <a:rPr lang="ru-RU" sz="1600" dirty="0" err="1">
+                <a:solidFill>
+                  <a:schemeClr val="bg1"/>
+                </a:solidFill>
+              </a:rPr>
+              <a:t>users</a:t>
+            </a:r>
+            <a:r>
+              <a:rPr lang="ru-RU" sz="1600" dirty="0">
+                <a:solidFill>
+                  <a:schemeClr val="bg1"/>
+                </a:solidFill>
+              </a:rPr>
+              <a:t>;</a:t>
+            </a:r>
+          </a:p>
+          <a:p>
+            <a:r>
+              <a:rPr lang="ru-RU" sz="1600" dirty="0" err="1">
+                <a:solidFill>
+                  <a:schemeClr val="bg1"/>
+                </a:solidFill>
+              </a:rPr>
+              <a:t>results</a:t>
+            </a:r>
+            <a:r>
+              <a:rPr lang="ru-RU" sz="1600" dirty="0">
+                <a:solidFill>
+                  <a:schemeClr val="bg1"/>
+                </a:solidFill>
+              </a:rPr>
+              <a:t> = </a:t>
+            </a:r>
+            <a:r>
+              <a:rPr lang="ru-RU" sz="1600" dirty="0" err="1">
+                <a:solidFill>
+                  <a:schemeClr val="bg1"/>
+                </a:solidFill>
+              </a:rPr>
+              <a:t>session.query</a:t>
+            </a:r>
+            <a:r>
+              <a:rPr lang="ru-RU" sz="1600" dirty="0">
+                <a:solidFill>
+                  <a:schemeClr val="bg1"/>
+                </a:solidFill>
+              </a:rPr>
+              <a:t>(User.name, </a:t>
+            </a:r>
+            <a:r>
+              <a:rPr lang="ru-RU" sz="1600" dirty="0" err="1">
+                <a:solidFill>
+                  <a:schemeClr val="bg1"/>
+                </a:solidFill>
+              </a:rPr>
+              <a:t>User.email</a:t>
+            </a:r>
+            <a:r>
+              <a:rPr lang="ru-RU" sz="1600" dirty="0">
+                <a:solidFill>
+                  <a:schemeClr val="bg1"/>
+                </a:solidFill>
+              </a:rPr>
+              <a:t>).</a:t>
+            </a:r>
+            <a:r>
+              <a:rPr lang="ru-RU" sz="1600" dirty="0" err="1">
+                <a:solidFill>
+                  <a:schemeClr val="bg1"/>
+                </a:solidFill>
+              </a:rPr>
+              <a:t>all</a:t>
+            </a:r>
+            <a:r>
+              <a:rPr lang="ru-RU" sz="1600" dirty="0">
+                <a:solidFill>
+                  <a:schemeClr val="bg1"/>
+                </a:solidFill>
+              </a:rPr>
+              <a:t>()</a:t>
+            </a:r>
+          </a:p>
+          <a:p>
+            <a:endParaRPr lang="ru-RU" sz="1600" dirty="0">
+              <a:solidFill>
+                <a:schemeClr val="bg1"/>
+              </a:solidFill>
+            </a:endParaRPr>
+          </a:p>
+          <a:p>
+            <a:r>
+              <a:rPr lang="ru-RU" sz="1600" dirty="0">
+                <a:solidFill>
+                  <a:schemeClr val="bg1"/>
+                </a:solidFill>
+              </a:rPr>
+              <a:t># SELECT * FROM </a:t>
+            </a:r>
+            <a:r>
+              <a:rPr lang="ru-RU" sz="1600" dirty="0" err="1">
+                <a:solidFill>
+                  <a:schemeClr val="bg1"/>
+                </a:solidFill>
+              </a:rPr>
+              <a:t>users</a:t>
+            </a:r>
+            <a:r>
+              <a:rPr lang="ru-RU" sz="1600" dirty="0">
+                <a:solidFill>
+                  <a:schemeClr val="bg1"/>
+                </a:solidFill>
+              </a:rPr>
+              <a:t> WHERE </a:t>
+            </a:r>
+            <a:r>
+              <a:rPr lang="ru-RU" sz="1600" dirty="0" err="1">
+                <a:solidFill>
+                  <a:schemeClr val="bg1"/>
+                </a:solidFill>
+              </a:rPr>
+              <a:t>name</a:t>
+            </a:r>
+            <a:r>
+              <a:rPr lang="ru-RU" sz="1600" dirty="0">
+                <a:solidFill>
+                  <a:schemeClr val="bg1"/>
+                </a:solidFill>
+              </a:rPr>
+              <a:t> = '</a:t>
+            </a:r>
+            <a:r>
+              <a:rPr lang="ru-RU" sz="1600" dirty="0" err="1">
+                <a:solidFill>
+                  <a:schemeClr val="bg1"/>
+                </a:solidFill>
+              </a:rPr>
+              <a:t>John</a:t>
+            </a:r>
+            <a:r>
+              <a:rPr lang="ru-RU" sz="1600" dirty="0">
+                <a:solidFill>
+                  <a:schemeClr val="bg1"/>
+                </a:solidFill>
+              </a:rPr>
+              <a:t>';</a:t>
+            </a:r>
+          </a:p>
+          <a:p>
+            <a:r>
+              <a:rPr lang="ru-RU" sz="1600" dirty="0" err="1">
+                <a:solidFill>
+                  <a:schemeClr val="bg1"/>
+                </a:solidFill>
+              </a:rPr>
+              <a:t>users</a:t>
+            </a:r>
+            <a:r>
+              <a:rPr lang="ru-RU" sz="1600" dirty="0">
+                <a:solidFill>
+                  <a:schemeClr val="bg1"/>
+                </a:solidFill>
+              </a:rPr>
+              <a:t> = </a:t>
+            </a:r>
+            <a:r>
+              <a:rPr lang="ru-RU" sz="1600" dirty="0" err="1">
+                <a:solidFill>
+                  <a:schemeClr val="bg1"/>
+                </a:solidFill>
+              </a:rPr>
+              <a:t>session.query</a:t>
+            </a:r>
+            <a:r>
+              <a:rPr lang="ru-RU" sz="1600" dirty="0">
+                <a:solidFill>
+                  <a:schemeClr val="bg1"/>
+                </a:solidFill>
+              </a:rPr>
+              <a:t>(User).</a:t>
+            </a:r>
+            <a:r>
+              <a:rPr lang="ru-RU" sz="1600" dirty="0" err="1">
+                <a:solidFill>
+                  <a:schemeClr val="bg1"/>
+                </a:solidFill>
+              </a:rPr>
+              <a:t>filter</a:t>
+            </a:r>
+            <a:r>
+              <a:rPr lang="ru-RU" sz="1600" dirty="0">
+                <a:solidFill>
+                  <a:schemeClr val="bg1"/>
+                </a:solidFill>
+              </a:rPr>
+              <a:t>(User.name == '</a:t>
+            </a:r>
+            <a:r>
+              <a:rPr lang="ru-RU" sz="1600" dirty="0" err="1">
+                <a:solidFill>
+                  <a:schemeClr val="bg1"/>
+                </a:solidFill>
+              </a:rPr>
+              <a:t>John</a:t>
+            </a:r>
+            <a:r>
+              <a:rPr lang="ru-RU" sz="1600" dirty="0">
+                <a:solidFill>
+                  <a:schemeClr val="bg1"/>
+                </a:solidFill>
+              </a:rPr>
+              <a:t>').</a:t>
+            </a:r>
+            <a:r>
+              <a:rPr lang="ru-RU" sz="1600" dirty="0" err="1">
+                <a:solidFill>
+                  <a:schemeClr val="bg1"/>
+                </a:solidFill>
+              </a:rPr>
+              <a:t>all</a:t>
+            </a:r>
+            <a:r>
+              <a:rPr lang="ru-RU" sz="1600" dirty="0">
+                <a:solidFill>
+                  <a:schemeClr val="bg1"/>
+                </a:solidFill>
+              </a:rPr>
+              <a:t>()</a:t>
+            </a:r>
+          </a:p>
+          <a:p>
+            <a:endParaRPr lang="ru-RU" sz="1600" dirty="0">
+              <a:solidFill>
+                <a:schemeClr val="bg1"/>
+              </a:solidFill>
+            </a:endParaRPr>
+          </a:p>
+          <a:p>
+            <a:r>
+              <a:rPr lang="ru-RU" sz="1600" dirty="0">
+                <a:solidFill>
+                  <a:schemeClr val="bg1"/>
+                </a:solidFill>
+              </a:rPr>
+              <a:t># LIMIT и OFFSET</a:t>
+            </a:r>
+          </a:p>
+          <a:p>
+            <a:r>
+              <a:rPr lang="ru-RU" sz="1600" dirty="0" err="1">
+                <a:solidFill>
+                  <a:schemeClr val="bg1"/>
+                </a:solidFill>
+              </a:rPr>
+              <a:t>users</a:t>
+            </a:r>
+            <a:r>
+              <a:rPr lang="ru-RU" sz="1600" dirty="0">
+                <a:solidFill>
+                  <a:schemeClr val="bg1"/>
+                </a:solidFill>
+              </a:rPr>
+              <a:t> = </a:t>
+            </a:r>
+            <a:r>
+              <a:rPr lang="ru-RU" sz="1600" dirty="0" err="1">
+                <a:solidFill>
+                  <a:schemeClr val="bg1"/>
+                </a:solidFill>
+              </a:rPr>
+              <a:t>session.query</a:t>
+            </a:r>
+            <a:r>
+              <a:rPr lang="ru-RU" sz="1600" dirty="0">
+                <a:solidFill>
+                  <a:schemeClr val="bg1"/>
+                </a:solidFill>
+              </a:rPr>
+              <a:t>(User).</a:t>
+            </a:r>
+            <a:r>
+              <a:rPr lang="ru-RU" sz="1600" dirty="0" err="1">
+                <a:solidFill>
+                  <a:schemeClr val="bg1"/>
+                </a:solidFill>
+              </a:rPr>
+              <a:t>limit</a:t>
+            </a:r>
+            <a:r>
+              <a:rPr lang="ru-RU" sz="1600" dirty="0">
+                <a:solidFill>
+                  <a:schemeClr val="bg1"/>
+                </a:solidFill>
+              </a:rPr>
+              <a:t>(10).</a:t>
+            </a:r>
+            <a:r>
+              <a:rPr lang="ru-RU" sz="1600" dirty="0" err="1">
+                <a:solidFill>
+                  <a:schemeClr val="bg1"/>
+                </a:solidFill>
+              </a:rPr>
+              <a:t>offset</a:t>
+            </a:r>
+            <a:r>
+              <a:rPr lang="ru-RU" sz="1600" dirty="0">
+                <a:solidFill>
+                  <a:schemeClr val="bg1"/>
+                </a:solidFill>
+              </a:rPr>
+              <a:t>(5).</a:t>
+            </a:r>
+            <a:r>
+              <a:rPr lang="ru-RU" sz="1600" dirty="0" err="1">
+                <a:solidFill>
+                  <a:schemeClr val="bg1"/>
+                </a:solidFill>
+              </a:rPr>
+              <a:t>all</a:t>
+            </a:r>
+            <a:r>
+              <a:rPr lang="ru-RU" sz="1600" dirty="0">
+                <a:solidFill>
+                  <a:schemeClr val="bg1"/>
+                </a:solidFill>
+              </a:rPr>
+              <a:t>()</a:t>
+            </a:r>
+          </a:p>
+        </p:txBody>
+      </p:sp>
     </p:spTree>
     <p:extLst>
       <p:ext uri="{BB962C8B-B14F-4D97-AF65-F5344CB8AC3E}">
-        <p14:creationId xmlns:p14="http://schemas.microsoft.com/office/powerpoint/2010/main" val="1493885751"/>
+        <p14:creationId xmlns:p14="http://schemas.microsoft.com/office/powerpoint/2010/main" val="1901474186"/>
       </p:ext>
     </p:extLst>
   </p:cSld>
@@ -30610,7 +30756,7 @@
 </p:sld>
 </file>
 
-<file path=ppt/slides/slide6.xml><?xml version="1.0" encoding="utf-8"?>
+<file path=ppt/slides/slide5.xml><?xml version="1.0" encoding="utf-8"?>
 <p:sld xmlns:a="http://schemas.openxmlformats.org/drawingml/2006/main" xmlns:r="http://schemas.openxmlformats.org/officeDocument/2006/relationships" xmlns:p="http://schemas.openxmlformats.org/presentationml/2006/main">
   <p:cSld>
     <p:spTree>
@@ -30721,7 +30867,7 @@
             </a:pPr>
             <a:fld id="{00000000-1234-1234-1234-123412341234}" type="slidenum">
               <a:rPr lang="en-US"/>
-              <a:t>6</a:t>
+              <a:t>5</a:t>
             </a:fld>
             <a:endParaRPr/>
           </a:p>
